--- a/BEcome.AIESEC.Company.Presentation.Levi9.2016.pptx
+++ b/BEcome.AIESEC.Company.Presentation.Levi9.2016.pptx
@@ -218,7 +218,7 @@
           <a:p>
             <a:fld id="{4BEF8651-3ED7-4908-89A0-BE7A233C7155}" type="datetimeFigureOut">
               <a:rPr lang="en-US" smtClean="0"/>
-              <a:t>1/27/2016</a:t>
+              <a:t>3/2/2016</a:t>
             </a:fld>
             <a:endParaRPr lang="en-US"/>
           </a:p>
@@ -913,7 +913,7 @@
                 </a:solidFill>
               </a:rPr>
               <a:pPr defTabSz="421993"/>
-              <a:t>27-1-2016</a:t>
+              <a:t>2-3-2016</a:t>
             </a:fld>
             <a:endParaRPr lang="nl-NL">
               <a:solidFill>
@@ -1143,7 +1143,7 @@
                 </a:solidFill>
               </a:rPr>
               <a:pPr defTabSz="421993"/>
-              <a:t>27-1-2016</a:t>
+              <a:t>2-3-2016</a:t>
             </a:fld>
             <a:endParaRPr lang="nl-NL">
               <a:solidFill>
@@ -1439,7 +1439,7 @@
                 </a:solidFill>
               </a:rPr>
               <a:pPr defTabSz="421993"/>
-              <a:t>27-1-2016</a:t>
+              <a:t>2-3-2016</a:t>
             </a:fld>
             <a:endParaRPr lang="nl-NL">
               <a:solidFill>
@@ -1785,7 +1785,7 @@
                 </a:solidFill>
               </a:rPr>
               <a:pPr defTabSz="421993"/>
-              <a:t>27-1-2016</a:t>
+              <a:t>2-3-2016</a:t>
             </a:fld>
             <a:endParaRPr lang="nl-NL">
               <a:solidFill>
@@ -2271,7 +2271,7 @@
                 </a:solidFill>
               </a:rPr>
               <a:pPr defTabSz="421993"/>
-              <a:t>27-1-2016</a:t>
+              <a:t>2-3-2016</a:t>
             </a:fld>
             <a:endParaRPr lang="nl-NL">
               <a:solidFill>
@@ -2441,7 +2441,7 @@
                 </a:solidFill>
               </a:rPr>
               <a:pPr defTabSz="421993"/>
-              <a:t>27-1-2016</a:t>
+              <a:t>2-3-2016</a:t>
             </a:fld>
             <a:endParaRPr lang="nl-NL">
               <a:solidFill>
@@ -2580,7 +2580,7 @@
                 </a:solidFill>
               </a:rPr>
               <a:pPr defTabSz="421993"/>
-              <a:t>27-1-2016</a:t>
+              <a:t>2-3-2016</a:t>
             </a:fld>
             <a:endParaRPr lang="nl-NL">
               <a:solidFill>
@@ -2910,7 +2910,7 @@
                 </a:solidFill>
               </a:rPr>
               <a:pPr defTabSz="421993"/>
-              <a:t>27-1-2016</a:t>
+              <a:t>2-3-2016</a:t>
             </a:fld>
             <a:endParaRPr lang="nl-NL">
               <a:solidFill>
@@ -3216,7 +3216,7 @@
                 </a:solidFill>
               </a:rPr>
               <a:pPr defTabSz="421993"/>
-              <a:t>27-1-2016</a:t>
+              <a:t>2-3-2016</a:t>
             </a:fld>
             <a:endParaRPr lang="nl-NL">
               <a:solidFill>
@@ -3446,7 +3446,7 @@
                 </a:solidFill>
               </a:rPr>
               <a:pPr defTabSz="421993"/>
-              <a:t>27-1-2016</a:t>
+              <a:t>2-3-2016</a:t>
             </a:fld>
             <a:endParaRPr lang="nl-NL">
               <a:solidFill>
@@ -3811,7 +3811,7 @@
                 </a:solidFill>
               </a:rPr>
               <a:pPr defTabSz="421993"/>
-              <a:t>27-1-2016</a:t>
+              <a:t>2-3-2016</a:t>
             </a:fld>
             <a:endParaRPr lang="nl-NL">
               <a:solidFill>
@@ -5099,7 +5099,7 @@
             <a:fld id="{E4C7AC7D-472B-BF43-B56F-0818443F6471}" type="datetimeFigureOut">
               <a:rPr lang="nl-NL" smtClean="0"/>
               <a:pPr/>
-              <a:t>27-1-2016</a:t>
+              <a:t>2-3-2016</a:t>
             </a:fld>
             <a:endParaRPr lang="nl-NL"/>
           </a:p>
@@ -6787,29 +6787,6 @@
       </p:grpSpPr>
       <p:sp>
         <p:nvSpPr>
-          <p:cNvPr id="9" name="Subtitle"/>
-          <p:cNvSpPr>
-            <a:spLocks noGrp="1"/>
-          </p:cNvSpPr>
-          <p:nvPr>
-            <p:ph type="subTitle" idx="1"/>
-          </p:nvPr>
-        </p:nvSpPr>
-        <p:spPr/>
-        <p:txBody>
-          <a:bodyPr/>
-          <a:lstStyle/>
-          <a:p>
-            <a:r>
-              <a:rPr lang="en-US" dirty="0" smtClean="0"/>
-              <a:t>Scoala Informala de IT- 2016</a:t>
-            </a:r>
-            <a:endParaRPr lang="en-US" dirty="0"/>
-          </a:p>
-        </p:txBody>
-      </p:sp>
-      <p:sp>
-        <p:nvSpPr>
           <p:cNvPr id="8" name="Title"/>
           <p:cNvSpPr>
             <a:spLocks noGrp="1"/>
@@ -6854,6 +6831,117 @@
           </a:p>
         </p:txBody>
       </p:sp>
+      <p:grpSp>
+        <p:nvGrpSpPr>
+          <p:cNvPr id="4" name="Group 4"/>
+          <p:cNvGrpSpPr>
+            <a:grpSpLocks noChangeAspect="1"/>
+          </p:cNvGrpSpPr>
+          <p:nvPr/>
+        </p:nvGrpSpPr>
+        <p:grpSpPr bwMode="auto">
+          <a:xfrm>
+            <a:off x="1708150" y="5348288"/>
+            <a:ext cx="5934075" cy="1260475"/>
+            <a:chOff x="1076" y="3369"/>
+            <a:chExt cx="3738" cy="794"/>
+          </a:xfrm>
+        </p:grpSpPr>
+        <p:sp>
+          <p:nvSpPr>
+            <p:cNvPr id="5" name="AutoShape 3"/>
+            <p:cNvSpPr>
+              <a:spLocks noChangeAspect="1" noChangeArrowheads="1" noTextEdit="1"/>
+            </p:cNvSpPr>
+            <p:nvPr/>
+          </p:nvSpPr>
+          <p:spPr bwMode="auto">
+            <a:xfrm>
+              <a:off x="1076" y="3369"/>
+              <a:ext cx="3738" cy="794"/>
+            </a:xfrm>
+            <a:prstGeom prst="rect">
+              <a:avLst/>
+            </a:prstGeom>
+            <a:ln/>
+          </p:spPr>
+          <p:style>
+            <a:lnRef idx="2">
+              <a:schemeClr val="accent1">
+                <a:shade val="50000"/>
+              </a:schemeClr>
+            </a:lnRef>
+            <a:fillRef idx="1">
+              <a:schemeClr val="accent1"/>
+            </a:fillRef>
+            <a:effectRef idx="0">
+              <a:schemeClr val="accent1"/>
+            </a:effectRef>
+            <a:fontRef idx="minor">
+              <a:schemeClr val="lt1"/>
+            </a:fontRef>
+          </p:style>
+          <p:txBody>
+            <a:bodyPr vert="horz" wrap="square" lIns="91440" tIns="45720" rIns="91440" bIns="45720" numCol="1" anchor="t" anchorCtr="0" compatLnSpc="1">
+              <a:prstTxWarp prst="textNoShape">
+                <a:avLst/>
+              </a:prstTxWarp>
+            </a:bodyPr>
+            <a:lstStyle/>
+            <a:p>
+              <a:endParaRPr lang="en-US"/>
+            </a:p>
+          </p:txBody>
+        </p:sp>
+        <p:pic>
+          <p:nvPicPr>
+            <p:cNvPr id="6" name="Picture 5"/>
+            <p:cNvPicPr>
+              <a:picLocks noChangeAspect="1" noChangeArrowheads="1"/>
+            </p:cNvPicPr>
+            <p:nvPr/>
+          </p:nvPicPr>
+          <p:blipFill>
+            <a:blip r:embed="rId2">
+              <a:extLst>
+                <a:ext uri="{28A0092B-C50C-407E-A947-70E740481C1C}">
+                  <a14:useLocalDpi xmlns:a14="http://schemas.microsoft.com/office/drawing/2010/main" val="0"/>
+                </a:ext>
+              </a:extLst>
+            </a:blip>
+            <a:srcRect/>
+            <a:stretch>
+              <a:fillRect/>
+            </a:stretch>
+          </p:blipFill>
+          <p:spPr bwMode="auto">
+            <a:xfrm>
+              <a:off x="1076" y="3369"/>
+              <a:ext cx="3741" cy="797"/>
+            </a:xfrm>
+            <a:prstGeom prst="rect">
+              <a:avLst/>
+            </a:prstGeom>
+            <a:ln/>
+          </p:spPr>
+          <p:style>
+            <a:lnRef idx="2">
+              <a:schemeClr val="accent1">
+                <a:shade val="50000"/>
+              </a:schemeClr>
+            </a:lnRef>
+            <a:fillRef idx="1">
+              <a:schemeClr val="accent1"/>
+            </a:fillRef>
+            <a:effectRef idx="0">
+              <a:schemeClr val="accent1"/>
+            </a:effectRef>
+            <a:fontRef idx="minor">
+              <a:schemeClr val="lt1"/>
+            </a:fontRef>
+          </p:style>
+        </p:pic>
+      </p:grpSp>
     </p:spTree>
     <p:extLst>
       <p:ext uri="{BB962C8B-B14F-4D97-AF65-F5344CB8AC3E}">
@@ -12162,14 +12250,14 @@
           </a:ln>
           <a:extLst>
             <a:ext uri="{909E8E84-426E-40dd-AFC4-6F175D3DCCD1}">
-              <a14:hiddenFill xmlns:a14="http://schemas.microsoft.com/office/drawing/2010/main" xmlns="">
+              <a14:hiddenFill xmlns="" xmlns:a14="http://schemas.microsoft.com/office/drawing/2010/main">
                 <a:solidFill>
                   <a:srgbClr val="FFFFFF"/>
                 </a:solidFill>
               </a14:hiddenFill>
             </a:ext>
             <a:ext uri="{91240B29-F687-4f45-9708-019B960494DF}">
-              <a14:hiddenLine xmlns:a14="http://schemas.microsoft.com/office/drawing/2010/main" xmlns="" w="9525">
+              <a14:hiddenLine xmlns="" xmlns:a14="http://schemas.microsoft.com/office/drawing/2010/main" w="9525">
                 <a:solidFill>
                   <a:srgbClr val="000000"/>
                 </a:solidFill>
@@ -12216,14 +12304,14 @@
           </a:ln>
           <a:extLst>
             <a:ext uri="{909E8E84-426E-40dd-AFC4-6F175D3DCCD1}">
-              <a14:hiddenFill xmlns:a14="http://schemas.microsoft.com/office/drawing/2010/main" xmlns="">
+              <a14:hiddenFill xmlns="" xmlns:a14="http://schemas.microsoft.com/office/drawing/2010/main">
                 <a:solidFill>
                   <a:srgbClr val="FFFFFF"/>
                 </a:solidFill>
               </a14:hiddenFill>
             </a:ext>
             <a:ext uri="{91240B29-F687-4f45-9708-019B960494DF}">
-              <a14:hiddenLine xmlns:a14="http://schemas.microsoft.com/office/drawing/2010/main" xmlns="" w="9525">
+              <a14:hiddenLine xmlns="" xmlns:a14="http://schemas.microsoft.com/office/drawing/2010/main" w="9525">
                 <a:solidFill>
                   <a:srgbClr val="000000"/>
                 </a:solidFill>
@@ -12270,14 +12358,14 @@
           </a:ln>
           <a:extLst>
             <a:ext uri="{909E8E84-426E-40dd-AFC4-6F175D3DCCD1}">
-              <a14:hiddenFill xmlns:a14="http://schemas.microsoft.com/office/drawing/2010/main" xmlns="">
+              <a14:hiddenFill xmlns="" xmlns:a14="http://schemas.microsoft.com/office/drawing/2010/main">
                 <a:solidFill>
                   <a:srgbClr val="FFFFFF"/>
                 </a:solidFill>
               </a14:hiddenFill>
             </a:ext>
             <a:ext uri="{91240B29-F687-4f45-9708-019B960494DF}">
-              <a14:hiddenLine xmlns:a14="http://schemas.microsoft.com/office/drawing/2010/main" xmlns="" w="9525">
+              <a14:hiddenLine xmlns="" xmlns:a14="http://schemas.microsoft.com/office/drawing/2010/main" w="9525">
                 <a:solidFill>
                   <a:srgbClr val="000000"/>
                 </a:solidFill>
@@ -12324,14 +12412,14 @@
           </a:ln>
           <a:extLst>
             <a:ext uri="{909E8E84-426E-40dd-AFC4-6F175D3DCCD1}">
-              <a14:hiddenFill xmlns:a14="http://schemas.microsoft.com/office/drawing/2010/main" xmlns="">
+              <a14:hiddenFill xmlns="" xmlns:a14="http://schemas.microsoft.com/office/drawing/2010/main">
                 <a:solidFill>
                   <a:srgbClr val="FFFFFF"/>
                 </a:solidFill>
               </a14:hiddenFill>
             </a:ext>
             <a:ext uri="{91240B29-F687-4f45-9708-019B960494DF}">
-              <a14:hiddenLine xmlns:a14="http://schemas.microsoft.com/office/drawing/2010/main" xmlns="" w="9525">
+              <a14:hiddenLine xmlns="" xmlns:a14="http://schemas.microsoft.com/office/drawing/2010/main" w="9525">
                 <a:solidFill>
                   <a:srgbClr val="000000"/>
                 </a:solidFill>
@@ -17458,25 +17546,65 @@
 </file>
 
 <file path=customXml/item1.xml><?xml version="1.0" encoding="utf-8"?>
-<p:properties xmlns:p="http://schemas.microsoft.com/office/2006/metadata/properties" xmlns:xsi="http://www.w3.org/2001/XMLSchema-instance" xmlns:pc="http://schemas.microsoft.com/office/infopath/2007/PartnerControls">
-  <documentManagement>
-    <TemplateUrl xmlns="http://schemas.microsoft.com/sharepoint/v3" xsi:nil="true"/>
-    <_SourceUrl xmlns="http://schemas.microsoft.com/sharepoint/v3" xsi:nil="true"/>
-    <xd_ProgID xmlns="http://schemas.microsoft.com/sharepoint/v3" xsi:nil="true"/>
-    <Order xmlns="http://schemas.microsoft.com/sharepoint/v3" xsi:nil="true"/>
-    <_SharedFileIndex xmlns="http://schemas.microsoft.com/sharepoint/v3" xsi:nil="true"/>
-    <MetaInfo xmlns="http://schemas.microsoft.com/sharepoint/v3" xsi:nil="true"/>
-    <ContentTypeId xmlns="http://schemas.microsoft.com/sharepoint/v3">0x010100E25DA1609B7607469C1AC9B6F8A6FE9D</ContentTypeId>
-    <_dlc_DocId xmlns="696890a7-2738-473a-8580-15948eca3069">Y5ANCCKZ2MDQ-10-1542</_dlc_DocId>
-    <_dlc_DocIdUrl xmlns="696890a7-2738-473a-8580-15948eca3069">
-      <Url>https://internal.levi9.com/_layouts/15/DocIdRedir.aspx?ID=Y5ANCCKZ2MDQ-10-1542</Url>
-      <Description>Y5ANCCKZ2MDQ-10-1542</Description>
-    </_dlc_DocIdUrl>
-  </documentManagement>
-</p:properties>
+<?mso-contentType ?>
+<FormTemplates xmlns="http://schemas.microsoft.com/sharepoint/v3/contenttype/forms">
+  <Display>DocumentLibraryForm</Display>
+  <Edit>DocumentLibraryForm</Edit>
+  <New>DocumentLibraryForm</New>
+</FormTemplates>
 </file>
 
 <file path=customXml/item2.xml><?xml version="1.0" encoding="utf-8"?>
+<?mso-contentType ?>
+<spe:Receivers xmlns:spe="http://schemas.microsoft.com/sharepoint/events">
+  <Receiver>
+    <Name>Document ID Generator</Name>
+    <Synchronization>Synchronous</Synchronization>
+    <Type>10001</Type>
+    <SequenceNumber>1000</SequenceNumber>
+    <Url/>
+    <Assembly>Microsoft.Office.DocumentManagement, Version=15.0.0.0, Culture=neutral, PublicKeyToken=71e9bce111e9429c</Assembly>
+    <Class>Microsoft.Office.DocumentManagement.Internal.DocIdHandler</Class>
+    <Data/>
+    <Filter/>
+  </Receiver>
+  <Receiver>
+    <Name>Document ID Generator</Name>
+    <Synchronization>Synchronous</Synchronization>
+    <Type>10002</Type>
+    <SequenceNumber>1001</SequenceNumber>
+    <Url/>
+    <Assembly>Microsoft.Office.DocumentManagement, Version=15.0.0.0, Culture=neutral, PublicKeyToken=71e9bce111e9429c</Assembly>
+    <Class>Microsoft.Office.DocumentManagement.Internal.DocIdHandler</Class>
+    <Data/>
+    <Filter/>
+  </Receiver>
+  <Receiver>
+    <Name>Document ID Generator</Name>
+    <Synchronization>Synchronous</Synchronization>
+    <Type>10004</Type>
+    <SequenceNumber>1002</SequenceNumber>
+    <Url/>
+    <Assembly>Microsoft.Office.DocumentManagement, Version=15.0.0.0, Culture=neutral, PublicKeyToken=71e9bce111e9429c</Assembly>
+    <Class>Microsoft.Office.DocumentManagement.Internal.DocIdHandler</Class>
+    <Data/>
+    <Filter/>
+  </Receiver>
+  <Receiver>
+    <Name>Document ID Generator</Name>
+    <Synchronization>Synchronous</Synchronization>
+    <Type>10006</Type>
+    <SequenceNumber>1003</SequenceNumber>
+    <Url/>
+    <Assembly>Microsoft.Office.DocumentManagement, Version=15.0.0.0, Culture=neutral, PublicKeyToken=71e9bce111e9429c</Assembly>
+    <Class>Microsoft.Office.DocumentManagement.Internal.DocIdHandler</Class>
+    <Data/>
+    <Filter/>
+  </Receiver>
+</spe:Receivers>
+</file>
+
+<file path=customXml/item3.xml><?xml version="1.0" encoding="utf-8"?>
 <ct:contentTypeSchema xmlns:ct="http://schemas.microsoft.com/office/2006/metadata/contentType" xmlns:ma="http://schemas.microsoft.com/office/2006/metadata/properties/metaAttributes" ct:_="" ma:_="" ma:contentTypeName="Document" ma:contentTypeID="0x010100E25DA1609B7607469C1AC9B6F8A6FE9D" ma:contentTypeVersion="2" ma:contentTypeDescription="Create a new document." ma:contentTypeScope="" ma:versionID="4a9137d238132a7f3847ed896ce73801">
   <xsd:schema xmlns:xsd="http://www.w3.org/2001/XMLSchema" xmlns:xs="http://www.w3.org/2001/XMLSchema" xmlns:p="http://schemas.microsoft.com/office/2006/metadata/properties" xmlns:ns1="http://schemas.microsoft.com/sharepoint/v3" xmlns:ns2="696890a7-2738-473a-8580-15948eca3069" targetNamespace="http://schemas.microsoft.com/office/2006/metadata/properties" ma:root="true" ma:fieldsID="cc6804599cb381d96cddd0f9a4d92b86" ns1:_="" ns2:_="">
     <xsd:import namespace="http://schemas.microsoft.com/sharepoint/v3"/>
@@ -17968,83 +18096,42 @@
 </ct:contentTypeSchema>
 </file>
 
-<file path=customXml/item3.xml><?xml version="1.0" encoding="utf-8"?>
-<?mso-contentType ?>
-<spe:Receivers xmlns:spe="http://schemas.microsoft.com/sharepoint/events">
-  <Receiver>
-    <Name>Document ID Generator</Name>
-    <Synchronization>Synchronous</Synchronization>
-    <Type>10001</Type>
-    <SequenceNumber>1000</SequenceNumber>
-    <Url/>
-    <Assembly>Microsoft.Office.DocumentManagement, Version=15.0.0.0, Culture=neutral, PublicKeyToken=71e9bce111e9429c</Assembly>
-    <Class>Microsoft.Office.DocumentManagement.Internal.DocIdHandler</Class>
-    <Data/>
-    <Filter/>
-  </Receiver>
-  <Receiver>
-    <Name>Document ID Generator</Name>
-    <Synchronization>Synchronous</Synchronization>
-    <Type>10002</Type>
-    <SequenceNumber>1001</SequenceNumber>
-    <Url/>
-    <Assembly>Microsoft.Office.DocumentManagement, Version=15.0.0.0, Culture=neutral, PublicKeyToken=71e9bce111e9429c</Assembly>
-    <Class>Microsoft.Office.DocumentManagement.Internal.DocIdHandler</Class>
-    <Data/>
-    <Filter/>
-  </Receiver>
-  <Receiver>
-    <Name>Document ID Generator</Name>
-    <Synchronization>Synchronous</Synchronization>
-    <Type>10004</Type>
-    <SequenceNumber>1002</SequenceNumber>
-    <Url/>
-    <Assembly>Microsoft.Office.DocumentManagement, Version=15.0.0.0, Culture=neutral, PublicKeyToken=71e9bce111e9429c</Assembly>
-    <Class>Microsoft.Office.DocumentManagement.Internal.DocIdHandler</Class>
-    <Data/>
-    <Filter/>
-  </Receiver>
-  <Receiver>
-    <Name>Document ID Generator</Name>
-    <Synchronization>Synchronous</Synchronization>
-    <Type>10006</Type>
-    <SequenceNumber>1003</SequenceNumber>
-    <Url/>
-    <Assembly>Microsoft.Office.DocumentManagement, Version=15.0.0.0, Culture=neutral, PublicKeyToken=71e9bce111e9429c</Assembly>
-    <Class>Microsoft.Office.DocumentManagement.Internal.DocIdHandler</Class>
-    <Data/>
-    <Filter/>
-  </Receiver>
-</spe:Receivers>
-</file>
-
 <file path=customXml/item4.xml><?xml version="1.0" encoding="utf-8"?>
-<?mso-contentType ?>
-<FormTemplates xmlns="http://schemas.microsoft.com/sharepoint/v3/contenttype/forms">
-  <Display>DocumentLibraryForm</Display>
-  <Edit>DocumentLibraryForm</Edit>
-  <New>DocumentLibraryForm</New>
-</FormTemplates>
+<p:properties xmlns:p="http://schemas.microsoft.com/office/2006/metadata/properties" xmlns:xsi="http://www.w3.org/2001/XMLSchema-instance" xmlns:pc="http://schemas.microsoft.com/office/infopath/2007/PartnerControls">
+  <documentManagement>
+    <TemplateUrl xmlns="http://schemas.microsoft.com/sharepoint/v3" xsi:nil="true"/>
+    <_SourceUrl xmlns="http://schemas.microsoft.com/sharepoint/v3" xsi:nil="true"/>
+    <xd_ProgID xmlns="http://schemas.microsoft.com/sharepoint/v3" xsi:nil="true"/>
+    <Order xmlns="http://schemas.microsoft.com/sharepoint/v3" xsi:nil="true"/>
+    <_SharedFileIndex xmlns="http://schemas.microsoft.com/sharepoint/v3" xsi:nil="true"/>
+    <MetaInfo xmlns="http://schemas.microsoft.com/sharepoint/v3" xsi:nil="true"/>
+    <ContentTypeId xmlns="http://schemas.microsoft.com/sharepoint/v3">0x010100E25DA1609B7607469C1AC9B6F8A6FE9D</ContentTypeId>
+    <_dlc_DocId xmlns="696890a7-2738-473a-8580-15948eca3069">Y5ANCCKZ2MDQ-10-1542</_dlc_DocId>
+    <_dlc_DocIdUrl xmlns="696890a7-2738-473a-8580-15948eca3069">
+      <Url>https://internal.levi9.com/_layouts/15/DocIdRedir.aspx?ID=Y5ANCCKZ2MDQ-10-1542</Url>
+      <Description>Y5ANCCKZ2MDQ-10-1542</Description>
+    </_dlc_DocIdUrl>
+  </documentManagement>
+</p:properties>
 </file>
 
 <file path=customXml/itemProps1.xml><?xml version="1.0" encoding="utf-8"?>
-<ds:datastoreItem xmlns:ds="http://schemas.openxmlformats.org/officeDocument/2006/customXml" ds:itemID="{61631425-235C-4781-93DD-7928AF7173EF}">
+<ds:datastoreItem xmlns:ds="http://schemas.openxmlformats.org/officeDocument/2006/customXml" ds:itemID="{EBB62213-8F90-4EF1-A6A4-641F0452CB52}">
   <ds:schemaRefs>
-    <ds:schemaRef ds:uri="http://schemas.microsoft.com/office/2006/metadata/properties"/>
-    <ds:schemaRef ds:uri="http://schemas.microsoft.com/sharepoint/v3"/>
-    <ds:schemaRef ds:uri="http://www.w3.org/XML/1998/namespace"/>
-    <ds:schemaRef ds:uri="696890a7-2738-473a-8580-15948eca3069"/>
-    <ds:schemaRef ds:uri="http://schemas.microsoft.com/office/2006/documentManagement/types"/>
-    <ds:schemaRef ds:uri="http://purl.org/dc/dcmitype/"/>
-    <ds:schemaRef ds:uri="http://purl.org/dc/elements/1.1/"/>
-    <ds:schemaRef ds:uri="http://schemas.microsoft.com/office/infopath/2007/PartnerControls"/>
-    <ds:schemaRef ds:uri="http://schemas.openxmlformats.org/package/2006/metadata/core-properties"/>
-    <ds:schemaRef ds:uri="http://purl.org/dc/terms/"/>
+    <ds:schemaRef ds:uri="http://schemas.microsoft.com/sharepoint/v3/contenttype/forms"/>
   </ds:schemaRefs>
 </ds:datastoreItem>
 </file>
 
 <file path=customXml/itemProps2.xml><?xml version="1.0" encoding="utf-8"?>
+<ds:datastoreItem xmlns:ds="http://schemas.openxmlformats.org/officeDocument/2006/customXml" ds:itemID="{DFBE2CE3-A764-49E9-945D-1AE464F7016A}">
+  <ds:schemaRefs>
+    <ds:schemaRef ds:uri="http://schemas.microsoft.com/sharepoint/events"/>
+  </ds:schemaRefs>
+</ds:datastoreItem>
+</file>
+
+<file path=customXml/itemProps3.xml><?xml version="1.0" encoding="utf-8"?>
 <ds:datastoreItem xmlns:ds="http://schemas.openxmlformats.org/officeDocument/2006/customXml" ds:itemID="{9537DA68-33FD-40D7-963A-955D4E055832}">
   <ds:schemaRefs>
     <ds:schemaRef ds:uri="http://schemas.microsoft.com/office/2006/metadata/contentType"/>
@@ -18063,18 +18150,19 @@
 </ds:datastoreItem>
 </file>
 
-<file path=customXml/itemProps3.xml><?xml version="1.0" encoding="utf-8"?>
-<ds:datastoreItem xmlns:ds="http://schemas.openxmlformats.org/officeDocument/2006/customXml" ds:itemID="{DFBE2CE3-A764-49E9-945D-1AE464F7016A}">
+<file path=customXml/itemProps4.xml><?xml version="1.0" encoding="utf-8"?>
+<ds:datastoreItem xmlns:ds="http://schemas.openxmlformats.org/officeDocument/2006/customXml" ds:itemID="{61631425-235C-4781-93DD-7928AF7173EF}">
   <ds:schemaRefs>
-    <ds:schemaRef ds:uri="http://schemas.microsoft.com/sharepoint/events"/>
-  </ds:schemaRefs>
-</ds:datastoreItem>
-</file>
-
-<file path=customXml/itemProps4.xml><?xml version="1.0" encoding="utf-8"?>
-<ds:datastoreItem xmlns:ds="http://schemas.openxmlformats.org/officeDocument/2006/customXml" ds:itemID="{EBB62213-8F90-4EF1-A6A4-641F0452CB52}">
-  <ds:schemaRefs>
-    <ds:schemaRef ds:uri="http://schemas.microsoft.com/sharepoint/v3/contenttype/forms"/>
+    <ds:schemaRef ds:uri="http://schemas.microsoft.com/office/2006/metadata/properties"/>
+    <ds:schemaRef ds:uri="http://schemas.microsoft.com/sharepoint/v3"/>
+    <ds:schemaRef ds:uri="http://www.w3.org/XML/1998/namespace"/>
+    <ds:schemaRef ds:uri="696890a7-2738-473a-8580-15948eca3069"/>
+    <ds:schemaRef ds:uri="http://schemas.microsoft.com/office/2006/documentManagement/types"/>
+    <ds:schemaRef ds:uri="http://purl.org/dc/dcmitype/"/>
+    <ds:schemaRef ds:uri="http://purl.org/dc/elements/1.1/"/>
+    <ds:schemaRef ds:uri="http://schemas.microsoft.com/office/infopath/2007/PartnerControls"/>
+    <ds:schemaRef ds:uri="http://schemas.openxmlformats.org/package/2006/metadata/core-properties"/>
+    <ds:schemaRef ds:uri="http://purl.org/dc/terms/"/>
   </ds:schemaRefs>
 </ds:datastoreItem>
 </file>